--- a/Lecture/Modeling 7/Modeling_7_Lecture.pptx
+++ b/Lecture/Modeling 7/Modeling_7_Lecture.pptx
@@ -315,7 +315,7 @@
               <a:pPr>
                 <a:defRPr/>
               </a:pPr>
-              <a:t>3/28/2019</a:t>
+              <a:t>7/24/2019</a:t>
             </a:fld>
             <a:endParaRPr lang="en-US" dirty="0"/>
           </a:p>
@@ -527,7 +527,7 @@
               <a:pPr>
                 <a:defRPr/>
               </a:pPr>
-              <a:t>3/28/2019</a:t>
+              <a:t>7/24/2019</a:t>
             </a:fld>
             <a:endParaRPr lang="en-US" dirty="0"/>
           </a:p>
@@ -1046,7 +1046,7 @@
               <a:pPr>
                 <a:defRPr/>
               </a:pPr>
-              <a:t>3/28/2019</a:t>
+              <a:t>7/24/2019</a:t>
             </a:fld>
             <a:endParaRPr lang="en-US" dirty="0"/>
           </a:p>
@@ -1236,7 +1236,7 @@
               <a:pPr>
                 <a:defRPr/>
               </a:pPr>
-              <a:t>3/28/2019</a:t>
+              <a:t>7/24/2019</a:t>
             </a:fld>
             <a:endParaRPr lang="en-US" dirty="0"/>
           </a:p>
@@ -1436,7 +1436,7 @@
               <a:pPr>
                 <a:defRPr/>
               </a:pPr>
-              <a:t>3/28/2019</a:t>
+              <a:t>7/24/2019</a:t>
             </a:fld>
             <a:endParaRPr lang="en-US" dirty="0"/>
           </a:p>
@@ -1704,7 +1704,7 @@
               <a:pPr>
                 <a:defRPr/>
               </a:pPr>
-              <a:t>3/28/2019</a:t>
+              <a:t>7/24/2019</a:t>
             </a:fld>
             <a:endParaRPr lang="en-US" dirty="0">
               <a:solidFill>
@@ -1918,7 +1918,7 @@
               <a:pPr>
                 <a:defRPr/>
               </a:pPr>
-              <a:t>3/28/2019</a:t>
+              <a:t>7/24/2019</a:t>
             </a:fld>
             <a:endParaRPr lang="en-US" dirty="0">
               <a:solidFill>
@@ -2209,7 +2209,7 @@
               <a:pPr>
                 <a:defRPr/>
               </a:pPr>
-              <a:t>3/28/2019</a:t>
+              <a:t>7/24/2019</a:t>
             </a:fld>
             <a:endParaRPr lang="en-US" dirty="0">
               <a:solidFill>
@@ -2540,7 +2540,7 @@
               <a:pPr>
                 <a:defRPr/>
               </a:pPr>
-              <a:t>3/28/2019</a:t>
+              <a:t>7/24/2019</a:t>
             </a:fld>
             <a:endParaRPr lang="en-US" dirty="0">
               <a:solidFill>
@@ -3005,7 +3005,7 @@
               <a:pPr>
                 <a:defRPr/>
               </a:pPr>
-              <a:t>3/28/2019</a:t>
+              <a:t>7/24/2019</a:t>
             </a:fld>
             <a:endParaRPr lang="en-US" dirty="0">
               <a:solidFill>
@@ -3168,7 +3168,7 @@
               <a:pPr>
                 <a:defRPr/>
               </a:pPr>
-              <a:t>3/28/2019</a:t>
+              <a:t>7/24/2019</a:t>
             </a:fld>
             <a:endParaRPr lang="en-US" dirty="0">
               <a:solidFill>
@@ -3309,7 +3309,7 @@
               <a:pPr>
                 <a:defRPr/>
               </a:pPr>
-              <a:t>3/28/2019</a:t>
+              <a:t>7/24/2019</a:t>
             </a:fld>
             <a:endParaRPr lang="en-US" dirty="0">
               <a:solidFill>
@@ -3630,7 +3630,7 @@
               <a:pPr>
                 <a:defRPr/>
               </a:pPr>
-              <a:t>3/28/2019</a:t>
+              <a:t>7/24/2019</a:t>
             </a:fld>
             <a:endParaRPr lang="en-US" dirty="0">
               <a:solidFill>
@@ -3838,7 +3838,7 @@
               <a:pPr>
                 <a:defRPr/>
               </a:pPr>
-              <a:t>3/28/2019</a:t>
+              <a:t>7/24/2019</a:t>
             </a:fld>
             <a:endParaRPr lang="en-US" dirty="0"/>
           </a:p>
@@ -4121,7 +4121,7 @@
               <a:pPr>
                 <a:defRPr/>
               </a:pPr>
-              <a:t>3/28/2019</a:t>
+              <a:t>7/24/2019</a:t>
             </a:fld>
             <a:endParaRPr lang="en-US" dirty="0">
               <a:solidFill>
@@ -4335,7 +4335,7 @@
               <a:pPr>
                 <a:defRPr/>
               </a:pPr>
-              <a:t>3/28/2019</a:t>
+              <a:t>7/24/2019</a:t>
             </a:fld>
             <a:endParaRPr lang="en-US" dirty="0">
               <a:solidFill>
@@ -4559,7 +4559,7 @@
               <a:pPr>
                 <a:defRPr/>
               </a:pPr>
-              <a:t>3/28/2019</a:t>
+              <a:t>7/24/2019</a:t>
             </a:fld>
             <a:endParaRPr lang="en-US" dirty="0">
               <a:solidFill>
@@ -4769,7 +4769,7 @@
               <a:pPr>
                 <a:defRPr/>
               </a:pPr>
-              <a:t>3/28/2019</a:t>
+              <a:t>7/24/2019</a:t>
             </a:fld>
             <a:endParaRPr lang="en-US" dirty="0">
               <a:solidFill>
@@ -5046,7 +5046,7 @@
               <a:pPr>
                 <a:defRPr/>
               </a:pPr>
-              <a:t>3/28/2019</a:t>
+              <a:t>7/24/2019</a:t>
             </a:fld>
             <a:endParaRPr lang="en-US" dirty="0"/>
           </a:p>
@@ -5353,7 +5353,7 @@
               <a:pPr>
                 <a:defRPr/>
               </a:pPr>
-              <a:t>3/28/2019</a:t>
+              <a:t>7/24/2019</a:t>
             </a:fld>
             <a:endParaRPr lang="en-US" dirty="0"/>
           </a:p>
@@ -5794,7 +5794,7 @@
               <a:pPr>
                 <a:defRPr/>
               </a:pPr>
-              <a:t>3/28/2019</a:t>
+              <a:t>7/24/2019</a:t>
             </a:fld>
             <a:endParaRPr lang="en-US" dirty="0"/>
           </a:p>
@@ -5933,7 +5933,7 @@
               <a:pPr>
                 <a:defRPr/>
               </a:pPr>
-              <a:t>3/28/2019</a:t>
+              <a:t>7/24/2019</a:t>
             </a:fld>
             <a:endParaRPr lang="en-US" dirty="0"/>
           </a:p>
@@ -6050,7 +6050,7 @@
               <a:pPr>
                 <a:defRPr/>
               </a:pPr>
-              <a:t>3/28/2019</a:t>
+              <a:t>7/24/2019</a:t>
             </a:fld>
             <a:endParaRPr lang="en-US" dirty="0"/>
           </a:p>
@@ -6347,7 +6347,7 @@
               <a:pPr>
                 <a:defRPr/>
               </a:pPr>
-              <a:t>3/28/2019</a:t>
+              <a:t>7/24/2019</a:t>
             </a:fld>
             <a:endParaRPr lang="en-US" dirty="0"/>
           </a:p>
@@ -6624,7 +6624,7 @@
               <a:pPr>
                 <a:defRPr/>
               </a:pPr>
-              <a:t>3/28/2019</a:t>
+              <a:t>7/24/2019</a:t>
             </a:fld>
             <a:endParaRPr lang="en-US" dirty="0"/>
           </a:p>
@@ -6881,7 +6881,7 @@
               <a:pPr>
                 <a:defRPr/>
               </a:pPr>
-              <a:t>3/28/2019</a:t>
+              <a:t>7/24/2019</a:t>
             </a:fld>
             <a:endParaRPr lang="en-US" dirty="0"/>
           </a:p>
@@ -7591,7 +7591,7 @@
               <a:pPr>
                 <a:defRPr/>
               </a:pPr>
-              <a:t>3/28/2019</a:t>
+              <a:t>7/24/2019</a:t>
             </a:fld>
             <a:endParaRPr lang="en-US" dirty="0">
               <a:solidFill>
@@ -17734,6 +17734,7 @@
       <p:sp>
         <p:nvSpPr>
           <p:cNvPr id="3" name="TextBox 2">
+            <a:hlinkClick r:id="rId6"/>
             <a:extLst>
               <a:ext uri="{FF2B5EF4-FFF2-40B4-BE49-F238E27FC236}">
                 <a16:creationId xmlns:a16="http://schemas.microsoft.com/office/drawing/2014/main" id="{14C52BEA-03C5-4D57-8E44-83C7DEFEF0E7}"/>

--- a/Lecture/Modeling 7/Modeling_7_Lecture.pptx
+++ b/Lecture/Modeling 7/Modeling_7_Lecture.pptx
@@ -315,7 +315,7 @@
               <a:pPr>
                 <a:defRPr/>
               </a:pPr>
-              <a:t>7/24/2019</a:t>
+              <a:t>11/5/2019</a:t>
             </a:fld>
             <a:endParaRPr lang="en-US" dirty="0"/>
           </a:p>
@@ -527,7 +527,7 @@
               <a:pPr>
                 <a:defRPr/>
               </a:pPr>
-              <a:t>7/24/2019</a:t>
+              <a:t>11/5/2019</a:t>
             </a:fld>
             <a:endParaRPr lang="en-US" dirty="0"/>
           </a:p>
@@ -1046,7 +1046,7 @@
               <a:pPr>
                 <a:defRPr/>
               </a:pPr>
-              <a:t>7/24/2019</a:t>
+              <a:t>11/5/2019</a:t>
             </a:fld>
             <a:endParaRPr lang="en-US" dirty="0"/>
           </a:p>
@@ -1236,7 +1236,7 @@
               <a:pPr>
                 <a:defRPr/>
               </a:pPr>
-              <a:t>7/24/2019</a:t>
+              <a:t>11/5/2019</a:t>
             </a:fld>
             <a:endParaRPr lang="en-US" dirty="0"/>
           </a:p>
@@ -1436,7 +1436,7 @@
               <a:pPr>
                 <a:defRPr/>
               </a:pPr>
-              <a:t>7/24/2019</a:t>
+              <a:t>11/5/2019</a:t>
             </a:fld>
             <a:endParaRPr lang="en-US" dirty="0"/>
           </a:p>
@@ -1704,7 +1704,7 @@
               <a:pPr>
                 <a:defRPr/>
               </a:pPr>
-              <a:t>7/24/2019</a:t>
+              <a:t>11/5/2019</a:t>
             </a:fld>
             <a:endParaRPr lang="en-US" dirty="0">
               <a:solidFill>
@@ -1918,7 +1918,7 @@
               <a:pPr>
                 <a:defRPr/>
               </a:pPr>
-              <a:t>7/24/2019</a:t>
+              <a:t>11/5/2019</a:t>
             </a:fld>
             <a:endParaRPr lang="en-US" dirty="0">
               <a:solidFill>
@@ -2209,7 +2209,7 @@
               <a:pPr>
                 <a:defRPr/>
               </a:pPr>
-              <a:t>7/24/2019</a:t>
+              <a:t>11/5/2019</a:t>
             </a:fld>
             <a:endParaRPr lang="en-US" dirty="0">
               <a:solidFill>
@@ -2540,7 +2540,7 @@
               <a:pPr>
                 <a:defRPr/>
               </a:pPr>
-              <a:t>7/24/2019</a:t>
+              <a:t>11/5/2019</a:t>
             </a:fld>
             <a:endParaRPr lang="en-US" dirty="0">
               <a:solidFill>
@@ -3005,7 +3005,7 @@
               <a:pPr>
                 <a:defRPr/>
               </a:pPr>
-              <a:t>7/24/2019</a:t>
+              <a:t>11/5/2019</a:t>
             </a:fld>
             <a:endParaRPr lang="en-US" dirty="0">
               <a:solidFill>
@@ -3168,7 +3168,7 @@
               <a:pPr>
                 <a:defRPr/>
               </a:pPr>
-              <a:t>7/24/2019</a:t>
+              <a:t>11/5/2019</a:t>
             </a:fld>
             <a:endParaRPr lang="en-US" dirty="0">
               <a:solidFill>
@@ -3309,7 +3309,7 @@
               <a:pPr>
                 <a:defRPr/>
               </a:pPr>
-              <a:t>7/24/2019</a:t>
+              <a:t>11/5/2019</a:t>
             </a:fld>
             <a:endParaRPr lang="en-US" dirty="0">
               <a:solidFill>
@@ -3630,7 +3630,7 @@
               <a:pPr>
                 <a:defRPr/>
               </a:pPr>
-              <a:t>7/24/2019</a:t>
+              <a:t>11/5/2019</a:t>
             </a:fld>
             <a:endParaRPr lang="en-US" dirty="0">
               <a:solidFill>
@@ -3838,7 +3838,7 @@
               <a:pPr>
                 <a:defRPr/>
               </a:pPr>
-              <a:t>7/24/2019</a:t>
+              <a:t>11/5/2019</a:t>
             </a:fld>
             <a:endParaRPr lang="en-US" dirty="0"/>
           </a:p>
@@ -4121,7 +4121,7 @@
               <a:pPr>
                 <a:defRPr/>
               </a:pPr>
-              <a:t>7/24/2019</a:t>
+              <a:t>11/5/2019</a:t>
             </a:fld>
             <a:endParaRPr lang="en-US" dirty="0">
               <a:solidFill>
@@ -4335,7 +4335,7 @@
               <a:pPr>
                 <a:defRPr/>
               </a:pPr>
-              <a:t>7/24/2019</a:t>
+              <a:t>11/5/2019</a:t>
             </a:fld>
             <a:endParaRPr lang="en-US" dirty="0">
               <a:solidFill>
@@ -4559,7 +4559,7 @@
               <a:pPr>
                 <a:defRPr/>
               </a:pPr>
-              <a:t>7/24/2019</a:t>
+              <a:t>11/5/2019</a:t>
             </a:fld>
             <a:endParaRPr lang="en-US" dirty="0">
               <a:solidFill>
@@ -4769,7 +4769,7 @@
               <a:pPr>
                 <a:defRPr/>
               </a:pPr>
-              <a:t>7/24/2019</a:t>
+              <a:t>11/5/2019</a:t>
             </a:fld>
             <a:endParaRPr lang="en-US" dirty="0">
               <a:solidFill>
@@ -5046,7 +5046,7 @@
               <a:pPr>
                 <a:defRPr/>
               </a:pPr>
-              <a:t>7/24/2019</a:t>
+              <a:t>11/5/2019</a:t>
             </a:fld>
             <a:endParaRPr lang="en-US" dirty="0"/>
           </a:p>
@@ -5353,7 +5353,7 @@
               <a:pPr>
                 <a:defRPr/>
               </a:pPr>
-              <a:t>7/24/2019</a:t>
+              <a:t>11/5/2019</a:t>
             </a:fld>
             <a:endParaRPr lang="en-US" dirty="0"/>
           </a:p>
@@ -5794,7 +5794,7 @@
               <a:pPr>
                 <a:defRPr/>
               </a:pPr>
-              <a:t>7/24/2019</a:t>
+              <a:t>11/5/2019</a:t>
             </a:fld>
             <a:endParaRPr lang="en-US" dirty="0"/>
           </a:p>
@@ -5933,7 +5933,7 @@
               <a:pPr>
                 <a:defRPr/>
               </a:pPr>
-              <a:t>7/24/2019</a:t>
+              <a:t>11/5/2019</a:t>
             </a:fld>
             <a:endParaRPr lang="en-US" dirty="0"/>
           </a:p>
@@ -6050,7 +6050,7 @@
               <a:pPr>
                 <a:defRPr/>
               </a:pPr>
-              <a:t>7/24/2019</a:t>
+              <a:t>11/5/2019</a:t>
             </a:fld>
             <a:endParaRPr lang="en-US" dirty="0"/>
           </a:p>
@@ -6347,7 +6347,7 @@
               <a:pPr>
                 <a:defRPr/>
               </a:pPr>
-              <a:t>7/24/2019</a:t>
+              <a:t>11/5/2019</a:t>
             </a:fld>
             <a:endParaRPr lang="en-US" dirty="0"/>
           </a:p>
@@ -6624,7 +6624,7 @@
               <a:pPr>
                 <a:defRPr/>
               </a:pPr>
-              <a:t>7/24/2019</a:t>
+              <a:t>11/5/2019</a:t>
             </a:fld>
             <a:endParaRPr lang="en-US" dirty="0"/>
           </a:p>
@@ -6881,7 +6881,7 @@
               <a:pPr>
                 <a:defRPr/>
               </a:pPr>
-              <a:t>7/24/2019</a:t>
+              <a:t>11/5/2019</a:t>
             </a:fld>
             <a:endParaRPr lang="en-US" dirty="0"/>
           </a:p>
@@ -7591,7 +7591,7 @@
               <a:pPr>
                 <a:defRPr/>
               </a:pPr>
-              <a:t>7/24/2019</a:t>
+              <a:t>11/5/2019</a:t>
             </a:fld>
             <a:endParaRPr lang="en-US" dirty="0">
               <a:solidFill>
@@ -9117,12 +9117,20 @@
               <a:defRPr/>
             </a:pPr>
             <a:r>
+              <a:rPr lang="en-US">
+                <a:solidFill>
+                  <a:srgbClr val="404040"/>
+                </a:solidFill>
+              </a:rPr>
+              <a:t>Spent $100 </a:t>
+            </a:r>
+            <a:r>
               <a:rPr lang="en-US" dirty="0">
                 <a:solidFill>
                   <a:srgbClr val="404040"/>
                 </a:solidFill>
               </a:rPr>
-              <a:t>Spent $75 on Ticket</a:t>
+              <a:t>on Ticket</a:t>
             </a:r>
           </a:p>
           <a:p>
